--- a/docs/ЮБВ.pptx
+++ b/docs/ЮБВ.pptx
@@ -5,7 +5,7 @@
     <p:sldMasterId id="2147483648" r:id="rId1"/>
   </p:sldMasterIdLst>
   <p:notesMasterIdLst>
-    <p:notesMasterId r:id="rId9"/>
+    <p:notesMasterId r:id="rId10"/>
   </p:notesMasterIdLst>
   <p:sldIdLst>
     <p:sldId id="258" r:id="rId2"/>
@@ -14,7 +14,8 @@
     <p:sldId id="270" r:id="rId5"/>
     <p:sldId id="276" r:id="rId6"/>
     <p:sldId id="271" r:id="rId7"/>
-    <p:sldId id="259" r:id="rId8"/>
+    <p:sldId id="277" r:id="rId8"/>
+    <p:sldId id="259" r:id="rId9"/>
   </p:sldIdLst>
   <p:sldSz cx="12192000" cy="6858000"/>
   <p:notesSz cx="6858000" cy="9144000"/>
@@ -214,7 +215,7 @@
           <a:p>
             <a:fld id="{D6C7D472-18A1-4982-B779-1FE80FA30865}" type="datetimeFigureOut">
               <a:rPr lang="ru-RU" smtClean="0"/>
-              <a:t>01.06.2023</a:t>
+              <a:t>02.06.2023</a:t>
             </a:fld>
             <a:endParaRPr lang="ru-RU"/>
           </a:p>
@@ -1951,10 +1952,248 @@
           <a:bodyPr/>
           <a:lstStyle/>
           <a:p>
+            <a:fld id="{C8A75431-57EE-43EE-8FB4-42B947A449EC}" type="slidenum">
+              <a:rPr lang="ru-RU" altLang="ru-RU"/>
+              <a:pPr/>
+              <a:t>7</a:t>
+            </a:fld>
+            <a:endParaRPr lang="ru-RU" altLang="ru-RU"/>
+          </a:p>
+        </p:txBody>
+      </p:sp>
+      <p:sp>
+        <p:nvSpPr>
+          <p:cNvPr id="17409" name="Rectangle 1"/>
+          <p:cNvSpPr txBox="1">
+            <a:spLocks noGrp="1" noRot="1" noChangeAspect="1" noChangeArrowheads="1"/>
+          </p:cNvSpPr>
+          <p:nvPr>
+            <p:ph type="sldImg"/>
+          </p:nvPr>
+        </p:nvSpPr>
+        <p:spPr bwMode="auto">
+          <a:xfrm>
+            <a:off x="685800" y="1143000"/>
+            <a:ext cx="5486400" cy="3086100"/>
+          </a:xfrm>
+          <a:prstGeom prst="rect">
+            <a:avLst/>
+          </a:prstGeom>
+          <a:solidFill>
+            <a:srgbClr val="FFFFFF"/>
+          </a:solidFill>
+          <a:ln>
+            <a:solidFill>
+              <a:srgbClr val="000000"/>
+            </a:solidFill>
+            <a:miter lim="800000"/>
+            <a:headEnd/>
+            <a:tailEnd/>
+          </a:ln>
+          <a:extLst>
+            <a:ext uri="{AF507438-7753-43E0-B8FC-AC1667EBCBE1}">
+              <a14:hiddenEffects xmlns:a14="http://schemas.microsoft.com/office/drawing/2010/main">
+                <a:effectLst>
+                  <a:outerShdw dist="35921" dir="2700000" algn="ctr" rotWithShape="0">
+                    <a:srgbClr val="808080"/>
+                  </a:outerShdw>
+                </a:effectLst>
+              </a14:hiddenEffects>
+            </a:ext>
+          </a:extLst>
+        </p:spPr>
+      </p:sp>
+      <p:sp>
+        <p:nvSpPr>
+          <p:cNvPr id="17410" name="Rectangle 2"/>
+          <p:cNvSpPr txBox="1">
+            <a:spLocks noGrp="1" noChangeArrowheads="1"/>
+          </p:cNvSpPr>
+          <p:nvPr>
+            <p:ph type="body" idx="1"/>
+          </p:nvPr>
+        </p:nvSpPr>
+        <p:spPr bwMode="auto">
+          <a:xfrm>
+            <a:off x="685800" y="4400550"/>
+            <a:ext cx="5486400" cy="3600450"/>
+          </a:xfrm>
+          <a:prstGeom prst="rect">
+            <a:avLst/>
+          </a:prstGeom>
+          <a:noFill/>
+          <a:ln/>
+          <a:extLst>
+            <a:ext uri="{909E8E84-426E-40DD-AFC4-6F175D3DCCD1}">
+              <a14:hiddenFill xmlns:a14="http://schemas.microsoft.com/office/drawing/2010/main">
+                <a:solidFill>
+                  <a:srgbClr val="FFFFFF"/>
+                </a:solidFill>
+              </a14:hiddenFill>
+            </a:ext>
+            <a:ext uri="{91240B29-F687-4F45-9708-019B960494DF}">
+              <a14:hiddenLine xmlns:a14="http://schemas.microsoft.com/office/drawing/2010/main" w="9525" cap="flat">
+                <a:solidFill>
+                  <a:srgbClr val="808080"/>
+                </a:solidFill>
+                <a:round/>
+                <a:headEnd/>
+                <a:tailEnd/>
+              </a14:hiddenLine>
+            </a:ext>
+            <a:ext uri="{AF507438-7753-43E0-B8FC-AC1667EBCBE1}">
+              <a14:hiddenEffects xmlns:a14="http://schemas.microsoft.com/office/drawing/2010/main">
+                <a:effectLst>
+                  <a:outerShdw dist="35921" dir="2700000" algn="ctr" rotWithShape="0">
+                    <a:srgbClr val="808080"/>
+                  </a:outerShdw>
+                </a:effectLst>
+              </a14:hiddenEffects>
+            </a:ext>
+          </a:extLst>
+        </p:spPr>
+        <p:txBody>
+          <a:bodyPr wrap="none" anchor="ctr"/>
+          <a:lstStyle/>
+          <a:p>
+            <a:pPr marL="215900" indent="-214313" eaLnBrk="1">
+              <a:spcBef>
+                <a:spcPct val="0"/>
+              </a:spcBef>
+              <a:tabLst>
+                <a:tab pos="723900" algn="l"/>
+                <a:tab pos="1447800" algn="l"/>
+                <a:tab pos="2171700" algn="l"/>
+                <a:tab pos="2895600" algn="l"/>
+                <a:tab pos="3619500" algn="l"/>
+                <a:tab pos="4343400" algn="l"/>
+                <a:tab pos="5067300" algn="l"/>
+              </a:tabLst>
+            </a:pPr>
+            <a:endParaRPr lang="ru-RU" altLang="ru-RU" sz="2000">
+              <a:latin typeface="Arial" panose="020B0604020202020204" pitchFamily="34" charset="0"/>
+              <a:ea typeface="Microsoft YaHei" panose="020B0503020204020204" pitchFamily="34" charset="-122"/>
+            </a:endParaRPr>
+          </a:p>
+        </p:txBody>
+      </p:sp>
+      <p:sp>
+        <p:nvSpPr>
+          <p:cNvPr id="17411" name="Text Box 3"/>
+          <p:cNvSpPr txBox="1">
+            <a:spLocks noChangeArrowheads="1"/>
+          </p:cNvSpPr>
+          <p:nvPr/>
+        </p:nvSpPr>
+        <p:spPr bwMode="auto">
+          <a:xfrm>
+            <a:off x="3884613" y="8685213"/>
+            <a:ext cx="2971800" cy="458787"/>
+          </a:xfrm>
+          <a:prstGeom prst="rect">
+            <a:avLst/>
+          </a:prstGeom>
+          <a:noFill/>
+          <a:ln>
+            <a:noFill/>
+          </a:ln>
+          <a:effectLst/>
+          <a:extLst>
+            <a:ext uri="{909E8E84-426E-40DD-AFC4-6F175D3DCCD1}">
+              <a14:hiddenFill xmlns:a14="http://schemas.microsoft.com/office/drawing/2010/main">
+                <a:solidFill>
+                  <a:srgbClr val="FFFFFF"/>
+                </a:solidFill>
+              </a14:hiddenFill>
+            </a:ext>
+            <a:ext uri="{91240B29-F687-4F45-9708-019B960494DF}">
+              <a14:hiddenLine xmlns:a14="http://schemas.microsoft.com/office/drawing/2010/main" w="9525" cap="flat">
+                <a:solidFill>
+                  <a:srgbClr val="808080"/>
+                </a:solidFill>
+                <a:round/>
+                <a:headEnd/>
+                <a:tailEnd/>
+              </a14:hiddenLine>
+            </a:ext>
+            <a:ext uri="{AF507438-7753-43E0-B8FC-AC1667EBCBE1}">
+              <a14:hiddenEffects xmlns:a14="http://schemas.microsoft.com/office/drawing/2010/main">
+                <a:effectLst>
+                  <a:outerShdw dist="35921" dir="2700000" algn="ctr" rotWithShape="0">
+                    <a:srgbClr val="808080"/>
+                  </a:outerShdw>
+                </a:effectLst>
+              </a14:hiddenEffects>
+            </a:ext>
+          </a:extLst>
+        </p:spPr>
+        <p:txBody>
+          <a:bodyPr wrap="none" anchor="ctr"/>
+          <a:lstStyle/>
+          <a:p>
+            <a:endParaRPr lang="ru-RU"/>
+          </a:p>
+        </p:txBody>
+      </p:sp>
+    </p:spTree>
+    <p:extLst>
+      <p:ext uri="{BB962C8B-B14F-4D97-AF65-F5344CB8AC3E}">
+        <p14:creationId xmlns:p14="http://schemas.microsoft.com/office/powerpoint/2010/main" val="643355828"/>
+      </p:ext>
+    </p:extLst>
+  </p:cSld>
+  <p:clrMapOvr>
+    <a:masterClrMapping/>
+  </p:clrMapOvr>
+</p:notes>
+</file>
+
+<file path=ppt/notesSlides/notesSlide8.xml><?xml version="1.0" encoding="utf-8"?>
+<p:notes xmlns:a="http://schemas.openxmlformats.org/drawingml/2006/main" xmlns:r="http://schemas.openxmlformats.org/officeDocument/2006/relationships" xmlns:p="http://schemas.openxmlformats.org/presentationml/2006/main">
+  <p:cSld>
+    <p:bg>
+      <p:bgPr>
+        <a:solidFill>
+          <a:srgbClr val="FFFFFF"/>
+        </a:solidFill>
+        <a:effectLst/>
+      </p:bgPr>
+    </p:bg>
+    <p:spTree>
+      <p:nvGrpSpPr>
+        <p:cNvPr id="1" name=""/>
+        <p:cNvGrpSpPr/>
+        <p:nvPr/>
+      </p:nvGrpSpPr>
+      <p:grpSpPr>
+        <a:xfrm>
+          <a:off x="0" y="0"/>
+          <a:ext cx="0" cy="0"/>
+          <a:chOff x="0" y="0"/>
+          <a:chExt cx="0" cy="0"/>
+        </a:xfrm>
+      </p:grpSpPr>
+      <p:sp>
+        <p:nvSpPr>
+          <p:cNvPr id="8" name="Rectangle 6"/>
+          <p:cNvSpPr>
+            <a:spLocks noGrp="1" noChangeArrowheads="1"/>
+          </p:cNvSpPr>
+          <p:nvPr>
+            <p:ph type="sldNum"/>
+          </p:nvPr>
+        </p:nvSpPr>
+        <p:spPr>
+          <a:ln/>
+        </p:spPr>
+        <p:txBody>
+          <a:bodyPr/>
+          <a:lstStyle/>
+          <a:p>
             <a:fld id="{B9904EE0-4D89-4662-A82A-A6ECC799CBD6}" type="slidenum">
               <a:rPr lang="ru-RU" altLang="ru-RU"/>
               <a:pPr/>
-              <a:t>7</a:t>
+              <a:t>8</a:t>
             </a:fld>
             <a:endParaRPr lang="ru-RU" altLang="ru-RU"/>
           </a:p>
@@ -2276,7 +2515,7 @@
           <a:p>
             <a:fld id="{B6F89557-618B-4EBD-9473-B15B8BBB18E7}" type="datetime1">
               <a:rPr lang="ru-RU" smtClean="0"/>
-              <a:t>01.06.2023</a:t>
+              <a:t>02.06.2023</a:t>
             </a:fld>
             <a:endParaRPr lang="ru-RU"/>
           </a:p>
@@ -2444,7 +2683,7 @@
           <a:p>
             <a:fld id="{A778164E-7B09-40C0-8EEA-97583A670997}" type="datetime1">
               <a:rPr lang="ru-RU" smtClean="0"/>
-              <a:t>01.06.2023</a:t>
+              <a:t>02.06.2023</a:t>
             </a:fld>
             <a:endParaRPr lang="ru-RU"/>
           </a:p>
@@ -2622,7 +2861,7 @@
           <a:p>
             <a:fld id="{D1473240-19B1-461C-A528-F961D3349F11}" type="datetime1">
               <a:rPr lang="ru-RU" smtClean="0"/>
-              <a:t>01.06.2023</a:t>
+              <a:t>02.06.2023</a:t>
             </a:fld>
             <a:endParaRPr lang="ru-RU"/>
           </a:p>
@@ -2790,7 +3029,7 @@
           <a:p>
             <a:fld id="{E690A679-8BA3-49FD-82E6-A370BF5204F5}" type="datetime1">
               <a:rPr lang="ru-RU" smtClean="0"/>
-              <a:t>01.06.2023</a:t>
+              <a:t>02.06.2023</a:t>
             </a:fld>
             <a:endParaRPr lang="ru-RU"/>
           </a:p>
@@ -3035,7 +3274,7 @@
           <a:p>
             <a:fld id="{9004ED12-63F9-4028-B263-845CED37E771}" type="datetime1">
               <a:rPr lang="ru-RU" smtClean="0"/>
-              <a:t>01.06.2023</a:t>
+              <a:t>02.06.2023</a:t>
             </a:fld>
             <a:endParaRPr lang="ru-RU"/>
           </a:p>
@@ -3264,7 +3503,7 @@
           <a:p>
             <a:fld id="{156AA07D-AB88-4EE5-9A7F-D3E044A22AC0}" type="datetime1">
               <a:rPr lang="ru-RU" smtClean="0"/>
-              <a:t>01.06.2023</a:t>
+              <a:t>02.06.2023</a:t>
             </a:fld>
             <a:endParaRPr lang="ru-RU"/>
           </a:p>
@@ -3628,7 +3867,7 @@
           <a:p>
             <a:fld id="{5FCFFBFA-0AD2-435A-8A23-1817A7628739}" type="datetime1">
               <a:rPr lang="ru-RU" smtClean="0"/>
-              <a:t>01.06.2023</a:t>
+              <a:t>02.06.2023</a:t>
             </a:fld>
             <a:endParaRPr lang="ru-RU"/>
           </a:p>
@@ -3745,7 +3984,7 @@
           <a:p>
             <a:fld id="{B698433C-874C-4F0C-AEA9-E840A50AFCC8}" type="datetime1">
               <a:rPr lang="ru-RU" smtClean="0"/>
-              <a:t>01.06.2023</a:t>
+              <a:t>02.06.2023</a:t>
             </a:fld>
             <a:endParaRPr lang="ru-RU"/>
           </a:p>
@@ -3840,7 +4079,7 @@
           <a:p>
             <a:fld id="{3462C72C-D6B9-488A-BF8D-ED137890F1E1}" type="datetime1">
               <a:rPr lang="ru-RU" smtClean="0"/>
-              <a:t>01.06.2023</a:t>
+              <a:t>02.06.2023</a:t>
             </a:fld>
             <a:endParaRPr lang="ru-RU"/>
           </a:p>
@@ -4115,7 +4354,7 @@
           <a:p>
             <a:fld id="{729EF7E7-0CFE-4DDC-8FC8-A4CC7C359F99}" type="datetime1">
               <a:rPr lang="ru-RU" smtClean="0"/>
-              <a:t>01.06.2023</a:t>
+              <a:t>02.06.2023</a:t>
             </a:fld>
             <a:endParaRPr lang="ru-RU"/>
           </a:p>
@@ -4367,7 +4606,7 @@
           <a:p>
             <a:fld id="{91C71406-4AD5-4E3D-BB35-FC89C71E9607}" type="datetime1">
               <a:rPr lang="ru-RU" smtClean="0"/>
-              <a:t>01.06.2023</a:t>
+              <a:t>02.06.2023</a:t>
             </a:fld>
             <a:endParaRPr lang="ru-RU"/>
           </a:p>
@@ -4578,7 +4817,7 @@
           <a:p>
             <a:fld id="{BAF5CC00-FCBA-4BE5-96E0-43C67F6A491E}" type="datetime1">
               <a:rPr lang="ru-RU" smtClean="0"/>
-              <a:t>01.06.2023</a:t>
+              <a:t>02.06.2023</a:t>
             </a:fld>
             <a:endParaRPr lang="ru-RU"/>
           </a:p>
@@ -7787,6 +8026,53 @@
           </p:spPr>
         </p:pic>
       </p:grpSp>
+      <p:pic>
+        <p:nvPicPr>
+          <p:cNvPr id="4" name="Picture 2">
+            <a:extLst>
+              <a:ext uri="{FF2B5EF4-FFF2-40B4-BE49-F238E27FC236}">
+                <a16:creationId xmlns:a16="http://schemas.microsoft.com/office/drawing/2014/main" id="{33E73E50-BE62-6B01-10F1-ADCF21E1D2FC}"/>
+              </a:ext>
+            </a:extLst>
+          </p:cNvPr>
+          <p:cNvPicPr>
+            <a:picLocks noChangeAspect="1" noChangeArrowheads="1"/>
+          </p:cNvPicPr>
+          <p:nvPr/>
+        </p:nvPicPr>
+        <p:blipFill>
+          <a:blip r:embed="rId8">
+            <a:extLst>
+              <a:ext uri="{28A0092B-C50C-407E-A947-70E740481C1C}">
+                <a14:useLocalDpi xmlns:a14="http://schemas.microsoft.com/office/drawing/2010/main" val="0"/>
+              </a:ext>
+            </a:extLst>
+          </a:blip>
+          <a:srcRect/>
+          <a:stretch>
+            <a:fillRect/>
+          </a:stretch>
+        </p:blipFill>
+        <p:spPr bwMode="auto">
+          <a:xfrm>
+            <a:off x="5238189" y="4035672"/>
+            <a:ext cx="1716529" cy="1445498"/>
+          </a:xfrm>
+          <a:prstGeom prst="rect">
+            <a:avLst/>
+          </a:prstGeom>
+          <a:noFill/>
+          <a:extLst>
+            <a:ext uri="{909E8E84-426E-40DD-AFC4-6F175D3DCCD1}">
+              <a14:hiddenFill xmlns:a14="http://schemas.microsoft.com/office/drawing/2010/main">
+                <a:solidFill>
+                  <a:srgbClr val="FFFFFF"/>
+                </a:solidFill>
+              </a14:hiddenFill>
+            </a:ext>
+          </a:extLst>
+        </p:spPr>
+      </p:pic>
     </p:spTree>
     <p:extLst>
       <p:ext uri="{BB962C8B-B14F-4D97-AF65-F5344CB8AC3E}">
@@ -8304,6 +8590,433 @@
       </p:grpSpPr>
       <p:sp>
         <p:nvSpPr>
+          <p:cNvPr id="7174" name="AutoShape 6"/>
+          <p:cNvSpPr>
+            <a:spLocks noChangeArrowheads="1"/>
+          </p:cNvSpPr>
+          <p:nvPr/>
+        </p:nvSpPr>
+        <p:spPr bwMode="auto">
+          <a:xfrm>
+            <a:off x="720435" y="400337"/>
+            <a:ext cx="6128421" cy="582975"/>
+          </a:xfrm>
+          <a:prstGeom prst="parallelogram">
+            <a:avLst>
+              <a:gd name="adj" fmla="val 198763"/>
+            </a:avLst>
+          </a:prstGeom>
+          <a:solidFill>
+            <a:srgbClr val="FFC000"/>
+          </a:solidFill>
+          <a:ln>
+            <a:noFill/>
+          </a:ln>
+          <a:effectLst/>
+        </p:spPr>
+        <p:txBody>
+          <a:bodyPr lIns="0" rIns="0" bIns="72000" anchor="ctr"/>
+          <a:lstStyle>
+            <a:lvl1pPr>
+              <a:tabLst>
+                <a:tab pos="723900" algn="l"/>
+                <a:tab pos="1447800" algn="l"/>
+                <a:tab pos="2171700" algn="l"/>
+                <a:tab pos="2895600" algn="l"/>
+                <a:tab pos="3619500" algn="l"/>
+              </a:tabLst>
+              <a:defRPr>
+                <a:solidFill>
+                  <a:srgbClr val="000000"/>
+                </a:solidFill>
+                <a:latin typeface="Arial" panose="020B0604020202020204" pitchFamily="34" charset="0"/>
+                <a:ea typeface="Microsoft YaHei" panose="020B0503020204020204" pitchFamily="34" charset="-122"/>
+              </a:defRPr>
+            </a:lvl1pPr>
+            <a:lvl2pPr>
+              <a:tabLst>
+                <a:tab pos="723900" algn="l"/>
+                <a:tab pos="1447800" algn="l"/>
+                <a:tab pos="2171700" algn="l"/>
+                <a:tab pos="2895600" algn="l"/>
+                <a:tab pos="3619500" algn="l"/>
+              </a:tabLst>
+              <a:defRPr>
+                <a:solidFill>
+                  <a:srgbClr val="000000"/>
+                </a:solidFill>
+                <a:latin typeface="Arial" panose="020B0604020202020204" pitchFamily="34" charset="0"/>
+                <a:ea typeface="Microsoft YaHei" panose="020B0503020204020204" pitchFamily="34" charset="-122"/>
+              </a:defRPr>
+            </a:lvl2pPr>
+            <a:lvl3pPr>
+              <a:tabLst>
+                <a:tab pos="723900" algn="l"/>
+                <a:tab pos="1447800" algn="l"/>
+                <a:tab pos="2171700" algn="l"/>
+                <a:tab pos="2895600" algn="l"/>
+                <a:tab pos="3619500" algn="l"/>
+              </a:tabLst>
+              <a:defRPr>
+                <a:solidFill>
+                  <a:srgbClr val="000000"/>
+                </a:solidFill>
+                <a:latin typeface="Arial" panose="020B0604020202020204" pitchFamily="34" charset="0"/>
+                <a:ea typeface="Microsoft YaHei" panose="020B0503020204020204" pitchFamily="34" charset="-122"/>
+              </a:defRPr>
+            </a:lvl3pPr>
+            <a:lvl4pPr>
+              <a:tabLst>
+                <a:tab pos="723900" algn="l"/>
+                <a:tab pos="1447800" algn="l"/>
+                <a:tab pos="2171700" algn="l"/>
+                <a:tab pos="2895600" algn="l"/>
+                <a:tab pos="3619500" algn="l"/>
+              </a:tabLst>
+              <a:defRPr>
+                <a:solidFill>
+                  <a:srgbClr val="000000"/>
+                </a:solidFill>
+                <a:latin typeface="Arial" panose="020B0604020202020204" pitchFamily="34" charset="0"/>
+                <a:ea typeface="Microsoft YaHei" panose="020B0503020204020204" pitchFamily="34" charset="-122"/>
+              </a:defRPr>
+            </a:lvl4pPr>
+            <a:lvl5pPr>
+              <a:tabLst>
+                <a:tab pos="723900" algn="l"/>
+                <a:tab pos="1447800" algn="l"/>
+                <a:tab pos="2171700" algn="l"/>
+                <a:tab pos="2895600" algn="l"/>
+                <a:tab pos="3619500" algn="l"/>
+              </a:tabLst>
+              <a:defRPr>
+                <a:solidFill>
+                  <a:srgbClr val="000000"/>
+                </a:solidFill>
+                <a:latin typeface="Arial" panose="020B0604020202020204" pitchFamily="34" charset="0"/>
+                <a:ea typeface="Microsoft YaHei" panose="020B0503020204020204" pitchFamily="34" charset="-122"/>
+              </a:defRPr>
+            </a:lvl5pPr>
+            <a:lvl6pPr marL="2514600" indent="-228600" defTabSz="449263" fontAlgn="base" hangingPunct="0">
+              <a:lnSpc>
+                <a:spcPct val="93000"/>
+              </a:lnSpc>
+              <a:spcBef>
+                <a:spcPct val="0"/>
+              </a:spcBef>
+              <a:spcAft>
+                <a:spcPct val="0"/>
+              </a:spcAft>
+              <a:buClr>
+                <a:srgbClr val="000000"/>
+              </a:buClr>
+              <a:buSzPct val="100000"/>
+              <a:buFont typeface="Times New Roman" panose="02020603050405020304" pitchFamily="18" charset="0"/>
+              <a:tabLst>
+                <a:tab pos="723900" algn="l"/>
+                <a:tab pos="1447800" algn="l"/>
+                <a:tab pos="2171700" algn="l"/>
+                <a:tab pos="2895600" algn="l"/>
+                <a:tab pos="3619500" algn="l"/>
+              </a:tabLst>
+              <a:defRPr>
+                <a:solidFill>
+                  <a:srgbClr val="000000"/>
+                </a:solidFill>
+                <a:latin typeface="Arial" panose="020B0604020202020204" pitchFamily="34" charset="0"/>
+                <a:ea typeface="Microsoft YaHei" panose="020B0503020204020204" pitchFamily="34" charset="-122"/>
+              </a:defRPr>
+            </a:lvl6pPr>
+            <a:lvl7pPr marL="2971800" indent="-228600" defTabSz="449263" fontAlgn="base" hangingPunct="0">
+              <a:lnSpc>
+                <a:spcPct val="93000"/>
+              </a:lnSpc>
+              <a:spcBef>
+                <a:spcPct val="0"/>
+              </a:spcBef>
+              <a:spcAft>
+                <a:spcPct val="0"/>
+              </a:spcAft>
+              <a:buClr>
+                <a:srgbClr val="000000"/>
+              </a:buClr>
+              <a:buSzPct val="100000"/>
+              <a:buFont typeface="Times New Roman" panose="02020603050405020304" pitchFamily="18" charset="0"/>
+              <a:tabLst>
+                <a:tab pos="723900" algn="l"/>
+                <a:tab pos="1447800" algn="l"/>
+                <a:tab pos="2171700" algn="l"/>
+                <a:tab pos="2895600" algn="l"/>
+                <a:tab pos="3619500" algn="l"/>
+              </a:tabLst>
+              <a:defRPr>
+                <a:solidFill>
+                  <a:srgbClr val="000000"/>
+                </a:solidFill>
+                <a:latin typeface="Arial" panose="020B0604020202020204" pitchFamily="34" charset="0"/>
+                <a:ea typeface="Microsoft YaHei" panose="020B0503020204020204" pitchFamily="34" charset="-122"/>
+              </a:defRPr>
+            </a:lvl7pPr>
+            <a:lvl8pPr marL="3429000" indent="-228600" defTabSz="449263" fontAlgn="base" hangingPunct="0">
+              <a:lnSpc>
+                <a:spcPct val="93000"/>
+              </a:lnSpc>
+              <a:spcBef>
+                <a:spcPct val="0"/>
+              </a:spcBef>
+              <a:spcAft>
+                <a:spcPct val="0"/>
+              </a:spcAft>
+              <a:buClr>
+                <a:srgbClr val="000000"/>
+              </a:buClr>
+              <a:buSzPct val="100000"/>
+              <a:buFont typeface="Times New Roman" panose="02020603050405020304" pitchFamily="18" charset="0"/>
+              <a:tabLst>
+                <a:tab pos="723900" algn="l"/>
+                <a:tab pos="1447800" algn="l"/>
+                <a:tab pos="2171700" algn="l"/>
+                <a:tab pos="2895600" algn="l"/>
+                <a:tab pos="3619500" algn="l"/>
+              </a:tabLst>
+              <a:defRPr>
+                <a:solidFill>
+                  <a:srgbClr val="000000"/>
+                </a:solidFill>
+                <a:latin typeface="Arial" panose="020B0604020202020204" pitchFamily="34" charset="0"/>
+                <a:ea typeface="Microsoft YaHei" panose="020B0503020204020204" pitchFamily="34" charset="-122"/>
+              </a:defRPr>
+            </a:lvl8pPr>
+            <a:lvl9pPr marL="3886200" indent="-228600" defTabSz="449263" fontAlgn="base" hangingPunct="0">
+              <a:lnSpc>
+                <a:spcPct val="93000"/>
+              </a:lnSpc>
+              <a:spcBef>
+                <a:spcPct val="0"/>
+              </a:spcBef>
+              <a:spcAft>
+                <a:spcPct val="0"/>
+              </a:spcAft>
+              <a:buClr>
+                <a:srgbClr val="000000"/>
+              </a:buClr>
+              <a:buSzPct val="100000"/>
+              <a:buFont typeface="Times New Roman" panose="02020603050405020304" pitchFamily="18" charset="0"/>
+              <a:tabLst>
+                <a:tab pos="723900" algn="l"/>
+                <a:tab pos="1447800" algn="l"/>
+                <a:tab pos="2171700" algn="l"/>
+                <a:tab pos="2895600" algn="l"/>
+                <a:tab pos="3619500" algn="l"/>
+              </a:tabLst>
+              <a:defRPr>
+                <a:solidFill>
+                  <a:srgbClr val="000000"/>
+                </a:solidFill>
+                <a:latin typeface="Arial" panose="020B0604020202020204" pitchFamily="34" charset="0"/>
+                <a:ea typeface="Microsoft YaHei" panose="020B0503020204020204" pitchFamily="34" charset="-122"/>
+              </a:defRPr>
+            </a:lvl9pPr>
+          </a:lstStyle>
+          <a:p>
+            <a:pPr>
+              <a:lnSpc>
+                <a:spcPct val="100000"/>
+              </a:lnSpc>
+            </a:pPr>
+            <a:r>
+              <a:rPr lang="ru-RU" altLang="ru-RU" sz="2400" b="1" dirty="0">
+                <a:solidFill>
+                  <a:schemeClr val="bg1"/>
+                </a:solidFill>
+                <a:latin typeface="Verdana" panose="020B0604030504040204" pitchFamily="34" charset="0"/>
+                <a:ea typeface="Verdana" panose="020B0604030504040204" pitchFamily="34" charset="0"/>
+                <a:cs typeface="Times New Roman" panose="02020603050405020304" pitchFamily="18" charset="0"/>
+              </a:rPr>
+              <a:t>  Практическая часть</a:t>
+            </a:r>
+          </a:p>
+        </p:txBody>
+      </p:sp>
+      <p:sp>
+        <p:nvSpPr>
+          <p:cNvPr id="7170" name="Rectangle 2"/>
+          <p:cNvSpPr>
+            <a:spLocks noChangeArrowheads="1"/>
+          </p:cNvSpPr>
+          <p:nvPr/>
+        </p:nvSpPr>
+        <p:spPr bwMode="auto">
+          <a:xfrm>
+            <a:off x="401782" y="400338"/>
+            <a:ext cx="503962" cy="582973"/>
+          </a:xfrm>
+          <a:prstGeom prst="rect">
+            <a:avLst/>
+          </a:prstGeom>
+          <a:solidFill>
+            <a:srgbClr val="FFC000"/>
+          </a:solidFill>
+          <a:ln>
+            <a:noFill/>
+          </a:ln>
+          <a:effectLst/>
+        </p:spPr>
+        <p:txBody>
+          <a:bodyPr wrap="none" anchor="ctr"/>
+          <a:lstStyle/>
+          <a:p>
+            <a:endParaRPr lang="ru-RU"/>
+          </a:p>
+        </p:txBody>
+      </p:sp>
+      <p:sp>
+        <p:nvSpPr>
+          <p:cNvPr id="7173" name="AutoShape 5"/>
+          <p:cNvSpPr>
+            <a:spLocks noChangeArrowheads="1"/>
+          </p:cNvSpPr>
+          <p:nvPr/>
+        </p:nvSpPr>
+        <p:spPr bwMode="auto">
+          <a:xfrm>
+            <a:off x="401782" y="400337"/>
+            <a:ext cx="671365" cy="582973"/>
+          </a:xfrm>
+          <a:prstGeom prst="parallelogram">
+            <a:avLst>
+              <a:gd name="adj" fmla="val 32178"/>
+            </a:avLst>
+          </a:prstGeom>
+          <a:solidFill>
+            <a:srgbClr val="FFC000"/>
+          </a:solidFill>
+          <a:ln>
+            <a:noFill/>
+          </a:ln>
+          <a:effectLst/>
+        </p:spPr>
+        <p:txBody>
+          <a:bodyPr wrap="none" anchor="ctr"/>
+          <a:lstStyle/>
+          <a:p>
+            <a:endParaRPr lang="ru-RU"/>
+          </a:p>
+        </p:txBody>
+      </p:sp>
+      <p:sp>
+        <p:nvSpPr>
+          <p:cNvPr id="2" name="Номер слайда 1"/>
+          <p:cNvSpPr>
+            <a:spLocks noGrp="1"/>
+          </p:cNvSpPr>
+          <p:nvPr>
+            <p:ph type="sldNum" sz="quarter" idx="12"/>
+          </p:nvPr>
+        </p:nvSpPr>
+        <p:spPr/>
+        <p:txBody>
+          <a:bodyPr/>
+          <a:lstStyle/>
+          <a:p>
+            <a:fld id="{426ACC9B-87E0-4E4B-9555-D0461333D947}" type="slidenum">
+              <a:rPr lang="ru-RU" smtClean="0"/>
+              <a:t>7</a:t>
+            </a:fld>
+            <a:endParaRPr lang="ru-RU"/>
+          </a:p>
+        </p:txBody>
+      </p:sp>
+      <p:pic>
+        <p:nvPicPr>
+          <p:cNvPr id="3" name="Рисунок 2">
+            <a:extLst>
+              <a:ext uri="{FF2B5EF4-FFF2-40B4-BE49-F238E27FC236}">
+                <a16:creationId xmlns:a16="http://schemas.microsoft.com/office/drawing/2014/main" id="{D49E2995-B173-80E1-508C-BD2DA3462EE0}"/>
+              </a:ext>
+            </a:extLst>
+          </p:cNvPr>
+          <p:cNvPicPr>
+            <a:picLocks noChangeAspect="1"/>
+          </p:cNvPicPr>
+          <p:nvPr/>
+        </p:nvPicPr>
+        <p:blipFill>
+          <a:blip r:embed="rId3"/>
+          <a:stretch>
+            <a:fillRect/>
+          </a:stretch>
+        </p:blipFill>
+        <p:spPr>
+          <a:xfrm>
+            <a:off x="3948641" y="1424624"/>
+            <a:ext cx="4294717" cy="4361823"/>
+          </a:xfrm>
+          <a:prstGeom prst="rect">
+            <a:avLst/>
+          </a:prstGeom>
+        </p:spPr>
+      </p:pic>
+    </p:spTree>
+    <p:extLst>
+      <p:ext uri="{BB962C8B-B14F-4D97-AF65-F5344CB8AC3E}">
+        <p14:creationId xmlns:p14="http://schemas.microsoft.com/office/powerpoint/2010/main" val="3754294729"/>
+      </p:ext>
+    </p:extLst>
+  </p:cSld>
+  <p:clrMapOvr>
+    <a:masterClrMapping/>
+  </p:clrMapOvr>
+  <p:transition spd="slow"/>
+  <p:timing>
+    <p:tnLst>
+      <p:par>
+        <p:cTn id="1" dur="indefinite" restart="never" nodeType="tmRoot">
+          <p:childTnLst>
+            <p:seq concurrent="1" nextAc="seek">
+              <p:cTn id="2" dur="0" nodeType="mainSeq"/>
+              <p:prevCondLst>
+                <p:cond evt="onPrev" delay="0">
+                  <p:tgtEl>
+                    <p:sldTgt/>
+                  </p:tgtEl>
+                </p:cond>
+              </p:prevCondLst>
+              <p:nextCondLst>
+                <p:cond evt="onNext" delay="0">
+                  <p:tgtEl>
+                    <p:sldTgt/>
+                  </p:tgtEl>
+                </p:cond>
+              </p:nextCondLst>
+            </p:seq>
+          </p:childTnLst>
+        </p:cTn>
+      </p:par>
+    </p:tnLst>
+  </p:timing>
+</p:sld>
+</file>
+
+<file path=ppt/slides/slide8.xml><?xml version="1.0" encoding="utf-8"?>
+<p:sld xmlns:a="http://schemas.openxmlformats.org/drawingml/2006/main" xmlns:r="http://schemas.openxmlformats.org/officeDocument/2006/relationships" xmlns:p="http://schemas.openxmlformats.org/presentationml/2006/main">
+  <p:cSld>
+    <p:spTree>
+      <p:nvGrpSpPr>
+        <p:cNvPr id="1" name=""/>
+        <p:cNvGrpSpPr/>
+        <p:nvPr/>
+      </p:nvGrpSpPr>
+      <p:grpSpPr>
+        <a:xfrm>
+          <a:off x="0" y="0"/>
+          <a:ext cx="0" cy="0"/>
+          <a:chOff x="0" y="0"/>
+          <a:chExt cx="0" cy="0"/>
+        </a:xfrm>
+      </p:grpSpPr>
+      <p:sp>
+        <p:nvSpPr>
           <p:cNvPr id="3081" name="Rectangle 9"/>
           <p:cNvSpPr>
             <a:spLocks noChangeArrowheads="1"/>
@@ -8389,7 +9102,7 @@
           <a:p>
             <a:fld id="{426ACC9B-87E0-4E4B-9555-D0461333D947}" type="slidenum">
               <a:rPr lang="ru-RU" smtClean="0"/>
-              <a:t>7</a:t>
+              <a:t>8</a:t>
             </a:fld>
             <a:endParaRPr lang="ru-RU"/>
           </a:p>
